--- a/pt/energyscrooge_pitch.pptx
+++ b/pt/energyscrooge_pitch.pptx
@@ -6247,15 +6247,6 @@
               </a:rPr>
               <a:t>02</a:t>
             </a:r>
-            <a:endParaRPr lang="en-US" altLang="ko-KR" sz="1400" dirty="0" smtClean="0">
-              <a:solidFill>
-                <a:schemeClr val="bg1">
-                  <a:lumMod val="50000"/>
-                </a:schemeClr>
-              </a:solidFill>
-              <a:latin typeface="Arial Rounded MT Bold" panose="020F0704030504030204" pitchFamily="34" charset="0"/>
-              <a:ea typeface="HY견고딕" panose="02030600000101010101" pitchFamily="18" charset="-127"/>
-            </a:endParaRPr>
           </a:p>
           <a:p>
             <a:r>
@@ -6386,7 +6377,7 @@
         <p:spPr>
           <a:xfrm>
             <a:off x="6390802" y="2328422"/>
-            <a:ext cx="5412152" cy="3631763"/>
+            <a:ext cx="5412152" cy="3385542"/>
           </a:xfrm>
           <a:prstGeom prst="rect">
             <a:avLst/>
@@ -6503,7 +6494,7 @@
                 </a:solidFill>
                 <a:latin typeface="Georgia" panose="02040502050405020303" pitchFamily="18" charset="0"/>
               </a:rPr>
-              <a:t>64W x </a:t>
+              <a:t>48W </a:t>
             </a:r>
             <a:r>
               <a:rPr lang="en-US" altLang="ko-KR" sz="1600" dirty="0" smtClean="0">
@@ -6515,7 +6506,7 @@
                 </a:solidFill>
                 <a:latin typeface="Georgia" panose="02040502050405020303" pitchFamily="18" charset="0"/>
               </a:rPr>
-              <a:t>5(</a:t>
+              <a:t>x 5(</a:t>
             </a:r>
             <a:r>
               <a:rPr lang="en-US" altLang="ko-KR" sz="1600" dirty="0" err="1" smtClean="0">
@@ -6551,115 +6542,7 @@
                 </a:solidFill>
                 <a:latin typeface="Georgia" panose="02040502050405020303" pitchFamily="18" charset="0"/>
               </a:rPr>
-              <a:t>= </a:t>
-            </a:r>
-            <a:r>
-              <a:rPr lang="en-US" altLang="ko-KR" sz="1600" dirty="0" smtClean="0">
-                <a:solidFill>
-                  <a:schemeClr val="tx1">
-                    <a:lumMod val="75000"/>
-                    <a:lumOff val="25000"/>
-                  </a:schemeClr>
-                </a:solidFill>
-                <a:latin typeface="Georgia" panose="02040502050405020303" pitchFamily="18" charset="0"/>
-              </a:rPr>
-              <a:t>1536W</a:t>
-            </a:r>
-          </a:p>
-          <a:p>
-            <a:pPr marL="285750" indent="-285750">
-              <a:buFont typeface="Wingdings" panose="05000000000000000000" pitchFamily="2" charset="2"/>
-              <a:buChar char="§"/>
-            </a:pPr>
-            <a:r>
-              <a:rPr lang="ko-KR" altLang="en-US" sz="1600" dirty="0" smtClean="0">
-                <a:solidFill>
-                  <a:schemeClr val="tx1">
-                    <a:lumMod val="75000"/>
-                    <a:lumOff val="25000"/>
-                  </a:schemeClr>
-                </a:solidFill>
-                <a:latin typeface="Georgia" panose="02040502050405020303" pitchFamily="18" charset="0"/>
-              </a:rPr>
-              <a:t>강의실내 형광등 개수 </a:t>
-            </a:r>
-            <a:r>
-              <a:rPr lang="en-US" altLang="ko-KR" sz="1600" dirty="0" smtClean="0">
-                <a:solidFill>
-                  <a:schemeClr val="tx1">
-                    <a:lumMod val="75000"/>
-                    <a:lumOff val="25000"/>
-                  </a:schemeClr>
-                </a:solidFill>
-                <a:latin typeface="Georgia" panose="02040502050405020303" pitchFamily="18" charset="0"/>
-              </a:rPr>
-              <a:t>20 </a:t>
-            </a:r>
-            <a:r>
-              <a:rPr lang="ko-KR" altLang="en-US" sz="1600" dirty="0" smtClean="0">
-                <a:solidFill>
-                  <a:schemeClr val="tx1">
-                    <a:lumMod val="75000"/>
-                    <a:lumOff val="25000"/>
-                  </a:schemeClr>
-                </a:solidFill>
-                <a:latin typeface="Georgia" panose="02040502050405020303" pitchFamily="18" charset="0"/>
-              </a:rPr>
-              <a:t>개 </a:t>
-            </a:r>
-            <a:r>
-              <a:rPr lang="en-US" altLang="ko-KR" sz="1600" dirty="0" smtClean="0">
-                <a:solidFill>
-                  <a:schemeClr val="tx1">
-                    <a:lumMod val="75000"/>
-                    <a:lumOff val="25000"/>
-                  </a:schemeClr>
-                </a:solidFill>
-                <a:latin typeface="Georgia" panose="02040502050405020303" pitchFamily="18" charset="0"/>
-              </a:rPr>
-              <a:t>= 30KW</a:t>
-            </a:r>
-          </a:p>
-          <a:p>
-            <a:pPr marL="285750" indent="-285750">
-              <a:buFont typeface="Wingdings" panose="05000000000000000000" pitchFamily="2" charset="2"/>
-              <a:buChar char="§"/>
-            </a:pPr>
-            <a:r>
-              <a:rPr lang="ko-KR" altLang="en-US" sz="1600" dirty="0" smtClean="0">
-                <a:solidFill>
-                  <a:schemeClr val="tx1">
-                    <a:lumMod val="75000"/>
-                    <a:lumOff val="25000"/>
-                  </a:schemeClr>
-                </a:solidFill>
-                <a:latin typeface="Georgia" panose="02040502050405020303" pitchFamily="18" charset="0"/>
-              </a:rPr>
-              <a:t>건물내 전체 강의실 소비전력 </a:t>
-            </a:r>
-            <a:r>
-              <a:rPr lang="en-US" altLang="ko-KR" sz="1600" dirty="0" smtClean="0">
-                <a:solidFill>
-                  <a:schemeClr val="tx1">
-                    <a:lumMod val="75000"/>
-                    <a:lumOff val="25000"/>
-                  </a:schemeClr>
-                </a:solidFill>
-                <a:latin typeface="Georgia" panose="02040502050405020303" pitchFamily="18" charset="0"/>
-              </a:rPr>
-              <a:t>= 30KW x 40 = 1200</a:t>
-            </a:r>
-            <a:r>
-              <a:rPr lang="en-US" altLang="ko-KR" sz="1600" dirty="0" smtClean="0">
-                <a:solidFill>
-                  <a:schemeClr val="tx1">
-                    <a:lumMod val="75000"/>
-                    <a:lumOff val="25000"/>
-                  </a:schemeClr>
-                </a:solidFill>
-                <a:latin typeface="Georgia" panose="02040502050405020303" pitchFamily="18" charset="0"/>
-              </a:rPr>
-              <a:t>KW</a:t>
+              <a:t>= 240W</a:t>
             </a:r>
             <a:endParaRPr lang="en-US" altLang="ko-KR" sz="1600" dirty="0" smtClean="0">
               <a:solidFill>
@@ -6686,7 +6569,7 @@
                 </a:solidFill>
                 <a:latin typeface="Georgia" panose="02040502050405020303" pitchFamily="18" charset="0"/>
               </a:rPr>
-              <a:t>매달 </a:t>
+              <a:t>강의실내 형광등 개수 </a:t>
             </a:r>
             <a:r>
               <a:rPr lang="en-US" altLang="ko-KR" sz="1600" dirty="0" smtClean="0">
@@ -6698,7 +6581,7 @@
                 </a:solidFill>
                 <a:latin typeface="Georgia" panose="02040502050405020303" pitchFamily="18" charset="0"/>
               </a:rPr>
-              <a:t>35</a:t>
+              <a:t>20 </a:t>
             </a:r>
             <a:r>
               <a:rPr lang="ko-KR" altLang="en-US" sz="1600" dirty="0" smtClean="0">
@@ -6710,10 +6593,10 @@
                 </a:solidFill>
                 <a:latin typeface="Georgia" panose="02040502050405020303" pitchFamily="18" charset="0"/>
               </a:rPr>
-              <a:t>동 건물</a:t>
-            </a:r>
-            <a:r>
-              <a:rPr lang="ko-KR" altLang="en-US" sz="1600" dirty="0" smtClean="0">
+              <a:t>개 </a:t>
+            </a:r>
+            <a:r>
+              <a:rPr lang="en-US" altLang="ko-KR" sz="1600" dirty="0" smtClean="0">
                 <a:solidFill>
                   <a:schemeClr val="tx1">
                     <a:lumMod val="75000"/>
@@ -6722,10 +6605,10 @@
                 </a:solidFill>
                 <a:latin typeface="Georgia" panose="02040502050405020303" pitchFamily="18" charset="0"/>
               </a:rPr>
-              <a:t> </a:t>
-            </a:r>
-            <a:r>
-              <a:rPr lang="ko-KR" altLang="en-US" sz="1600" dirty="0" smtClean="0">
+              <a:t>= </a:t>
+            </a:r>
+            <a:r>
+              <a:rPr lang="en-US" altLang="ko-KR" sz="1600" dirty="0" smtClean="0">
                 <a:solidFill>
                   <a:schemeClr val="tx1">
                     <a:lumMod val="75000"/>
@@ -6734,10 +6617,25 @@
                 </a:solidFill>
                 <a:latin typeface="Georgia" panose="02040502050405020303" pitchFamily="18" charset="0"/>
               </a:rPr>
-              <a:t>소비전력 </a:t>
-            </a:r>
-            <a:r>
-              <a:rPr lang="en-US" altLang="ko-KR" sz="1600" dirty="0" smtClean="0">
+              <a:t>4.8KW</a:t>
+            </a:r>
+            <a:endParaRPr lang="en-US" altLang="ko-KR" sz="1600" dirty="0" smtClean="0">
+              <a:solidFill>
+                <a:schemeClr val="tx1">
+                  <a:lumMod val="75000"/>
+                  <a:lumOff val="25000"/>
+                </a:schemeClr>
+              </a:solidFill>
+              <a:latin typeface="Georgia" panose="02040502050405020303" pitchFamily="18" charset="0"/>
+            </a:endParaRPr>
+          </a:p>
+          <a:p>
+            <a:pPr marL="285750" indent="-285750">
+              <a:buFont typeface="Wingdings" panose="05000000000000000000" pitchFamily="2" charset="2"/>
+              <a:buChar char="§"/>
+            </a:pPr>
+            <a:r>
+              <a:rPr lang="ko-KR" altLang="en-US" sz="1600" dirty="0" smtClean="0">
                 <a:solidFill>
                   <a:schemeClr val="tx1">
                     <a:lumMod val="75000"/>
@@ -6746,7 +6644,7 @@
                 </a:solidFill>
                 <a:latin typeface="Georgia" panose="02040502050405020303" pitchFamily="18" charset="0"/>
               </a:rPr>
-              <a:t>1200KW </a:t>
+              <a:t>건물내 전체 강의실 소비전력 </a:t>
             </a:r>
             <a:r>
               <a:rPr lang="en-US" altLang="ko-KR" sz="1600" dirty="0" smtClean="0">
@@ -6758,7 +6656,7 @@
                 </a:solidFill>
                 <a:latin typeface="Georgia" panose="02040502050405020303" pitchFamily="18" charset="0"/>
               </a:rPr>
-              <a:t>x </a:t>
+              <a:t>= </a:t>
             </a:r>
             <a:r>
               <a:rPr lang="en-US" altLang="ko-KR" sz="1600" dirty="0" smtClean="0">
@@ -6770,7 +6668,7 @@
                 </a:solidFill>
                 <a:latin typeface="Georgia" panose="02040502050405020303" pitchFamily="18" charset="0"/>
               </a:rPr>
-              <a:t>20(days) </a:t>
+              <a:t>4.8KW </a:t>
             </a:r>
             <a:r>
               <a:rPr lang="en-US" altLang="ko-KR" sz="1600" dirty="0" smtClean="0">
@@ -6782,10 +6680,10 @@
                 </a:solidFill>
                 <a:latin typeface="Georgia" panose="02040502050405020303" pitchFamily="18" charset="0"/>
               </a:rPr>
-              <a:t>= </a:t>
-            </a:r>
-            <a:r>
-              <a:rPr lang="en-US" altLang="ko-KR" sz="1600" b="1" dirty="0" smtClean="0">
+              <a:t>x </a:t>
+            </a:r>
+            <a:r>
+              <a:rPr lang="en-US" altLang="ko-KR" sz="1600" dirty="0" smtClean="0">
                 <a:solidFill>
                   <a:schemeClr val="tx1">
                     <a:lumMod val="75000"/>
@@ -6794,10 +6692,10 @@
                 </a:solidFill>
                 <a:latin typeface="Georgia" panose="02040502050405020303" pitchFamily="18" charset="0"/>
               </a:rPr>
-              <a:t>24000</a:t>
-            </a:r>
-            <a:r>
-              <a:rPr lang="en-US" altLang="ko-KR" sz="1600" b="1" dirty="0" smtClean="0">
+              <a:t>10 </a:t>
+            </a:r>
+            <a:r>
+              <a:rPr lang="en-US" altLang="ko-KR" sz="1600" dirty="0" smtClean="0">
                 <a:solidFill>
                   <a:schemeClr val="tx1">
                     <a:lumMod val="75000"/>
@@ -6806,7 +6704,106 @@
                 </a:solidFill>
                 <a:latin typeface="Georgia" panose="02040502050405020303" pitchFamily="18" charset="0"/>
               </a:rPr>
-              <a:t>KW</a:t>
+              <a:t>= </a:t>
+            </a:r>
+            <a:r>
+              <a:rPr lang="en-US" altLang="ko-KR" sz="1600" dirty="0" smtClean="0">
+                <a:solidFill>
+                  <a:schemeClr val="tx1">
+                    <a:lumMod val="75000"/>
+                    <a:lumOff val="25000"/>
+                  </a:schemeClr>
+                </a:solidFill>
+                <a:latin typeface="Georgia" panose="02040502050405020303" pitchFamily="18" charset="0"/>
+              </a:rPr>
+              <a:t>48KW</a:t>
+            </a:r>
+            <a:endParaRPr lang="en-US" altLang="ko-KR" sz="1600" dirty="0" smtClean="0">
+              <a:solidFill>
+                <a:schemeClr val="tx1">
+                  <a:lumMod val="75000"/>
+                  <a:lumOff val="25000"/>
+                </a:schemeClr>
+              </a:solidFill>
+              <a:latin typeface="Georgia" panose="02040502050405020303" pitchFamily="18" charset="0"/>
+            </a:endParaRPr>
+          </a:p>
+          <a:p>
+            <a:pPr marL="285750" indent="-285750">
+              <a:buFont typeface="Wingdings" panose="05000000000000000000" pitchFamily="2" charset="2"/>
+              <a:buChar char="§"/>
+            </a:pPr>
+            <a:r>
+              <a:rPr lang="ko-KR" altLang="en-US" sz="1600" dirty="0" smtClean="0">
+                <a:solidFill>
+                  <a:schemeClr val="tx1">
+                    <a:lumMod val="75000"/>
+                    <a:lumOff val="25000"/>
+                  </a:schemeClr>
+                </a:solidFill>
+                <a:latin typeface="Georgia" panose="02040502050405020303" pitchFamily="18" charset="0"/>
+              </a:rPr>
+              <a:t>매달 </a:t>
+            </a:r>
+            <a:r>
+              <a:rPr lang="en-US" altLang="ko-KR" sz="1600" dirty="0" smtClean="0">
+                <a:solidFill>
+                  <a:schemeClr val="tx1">
+                    <a:lumMod val="75000"/>
+                    <a:lumOff val="25000"/>
+                  </a:schemeClr>
+                </a:solidFill>
+                <a:latin typeface="Georgia" panose="02040502050405020303" pitchFamily="18" charset="0"/>
+              </a:rPr>
+              <a:t>35</a:t>
+            </a:r>
+            <a:r>
+              <a:rPr lang="ko-KR" altLang="en-US" sz="1600" dirty="0" smtClean="0">
+                <a:solidFill>
+                  <a:schemeClr val="tx1">
+                    <a:lumMod val="75000"/>
+                    <a:lumOff val="25000"/>
+                  </a:schemeClr>
+                </a:solidFill>
+                <a:latin typeface="Georgia" panose="02040502050405020303" pitchFamily="18" charset="0"/>
+              </a:rPr>
+              <a:t>동 건물 소비전력 </a:t>
+            </a:r>
+            <a:r>
+              <a:rPr lang="en-US" altLang="ko-KR" sz="1600" dirty="0" smtClean="0">
+                <a:solidFill>
+                  <a:schemeClr val="tx1">
+                    <a:lumMod val="75000"/>
+                    <a:lumOff val="25000"/>
+                  </a:schemeClr>
+                </a:solidFill>
+                <a:latin typeface="Georgia" panose="02040502050405020303" pitchFamily="18" charset="0"/>
+              </a:rPr>
+              <a:t>48KW </a:t>
+            </a:r>
+            <a:r>
+              <a:rPr lang="en-US" altLang="ko-KR" sz="1600" dirty="0" smtClean="0">
+                <a:solidFill>
+                  <a:schemeClr val="tx1">
+                    <a:lumMod val="75000"/>
+                    <a:lumOff val="25000"/>
+                  </a:schemeClr>
+                </a:solidFill>
+                <a:latin typeface="Georgia" panose="02040502050405020303" pitchFamily="18" charset="0"/>
+              </a:rPr>
+              <a:t>x 20(days) = </a:t>
+            </a:r>
+            <a:r>
+              <a:rPr lang="en-US" altLang="ko-KR" sz="1600" b="1" dirty="0" smtClean="0">
+                <a:solidFill>
+                  <a:schemeClr val="tx1">
+                    <a:lumMod val="75000"/>
+                    <a:lumOff val="25000"/>
+                  </a:schemeClr>
+                </a:solidFill>
+                <a:latin typeface="Georgia" panose="02040502050405020303" pitchFamily="18" charset="0"/>
+              </a:rPr>
+              <a:t>960KW</a:t>
             </a:r>
             <a:endParaRPr lang="en-US" altLang="ko-KR" sz="1600" b="1" dirty="0" smtClean="0">
               <a:solidFill>
@@ -6900,7 +6897,7 @@
                 </a:solidFill>
                 <a:latin typeface="Georgia" panose="02040502050405020303" pitchFamily="18" charset="0"/>
               </a:rPr>
-              <a:t>2400KW</a:t>
+              <a:t>96KW </a:t>
             </a:r>
             <a:r>
               <a:rPr lang="en-US" altLang="ko-KR" sz="1600" dirty="0" smtClean="0">
@@ -6912,7 +6909,7 @@
                 </a:solidFill>
                 <a:latin typeface="Georgia" panose="02040502050405020303" pitchFamily="18" charset="0"/>
               </a:rPr>
-              <a:t> </a:t>
+              <a:t>x 20(days) = </a:t>
             </a:r>
             <a:r>
               <a:rPr lang="en-US" altLang="ko-KR" sz="1600" dirty="0" smtClean="0">
@@ -6924,43 +6921,7 @@
                 </a:solidFill>
                 <a:latin typeface="Georgia" panose="02040502050405020303" pitchFamily="18" charset="0"/>
               </a:rPr>
-              <a:t>x </a:t>
-            </a:r>
-            <a:r>
-              <a:rPr lang="en-US" altLang="ko-KR" sz="1600" dirty="0" smtClean="0">
-                <a:solidFill>
-                  <a:schemeClr val="tx1">
-                    <a:lumMod val="75000"/>
-                    <a:lumOff val="25000"/>
-                  </a:schemeClr>
-                </a:solidFill>
-                <a:latin typeface="Georgia" panose="02040502050405020303" pitchFamily="18" charset="0"/>
-              </a:rPr>
-              <a:t>20(days) </a:t>
-            </a:r>
-            <a:r>
-              <a:rPr lang="en-US" altLang="ko-KR" sz="1600" dirty="0" smtClean="0">
-                <a:solidFill>
-                  <a:schemeClr val="tx1">
-                    <a:lumMod val="75000"/>
-                    <a:lumOff val="25000"/>
-                  </a:schemeClr>
-                </a:solidFill>
-                <a:latin typeface="Georgia" panose="02040502050405020303" pitchFamily="18" charset="0"/>
-              </a:rPr>
-              <a:t>= </a:t>
-            </a:r>
-            <a:r>
-              <a:rPr lang="en-US" altLang="ko-KR" sz="1600" dirty="0" smtClean="0">
-                <a:solidFill>
-                  <a:schemeClr val="tx1">
-                    <a:lumMod val="75000"/>
-                    <a:lumOff val="25000"/>
-                  </a:schemeClr>
-                </a:solidFill>
-                <a:latin typeface="Georgia" panose="02040502050405020303" pitchFamily="18" charset="0"/>
-              </a:rPr>
-              <a:t>48000KW </a:t>
+              <a:t>1920KW </a:t>
             </a:r>
             <a:r>
               <a:rPr lang="ko-KR" altLang="en-US" sz="1600" dirty="0" smtClean="0">
@@ -7011,7 +6972,7 @@
                 </a:solidFill>
                 <a:latin typeface="Georgia" panose="02040502050405020303" pitchFamily="18" charset="0"/>
               </a:rPr>
-              <a:t>48000KW</a:t>
+              <a:t>1920KW</a:t>
             </a:r>
             <a:r>
               <a:rPr lang="en-US" altLang="ko-KR" sz="1600" dirty="0" smtClean="0">
@@ -7047,7 +7008,7 @@
                 </a:solidFill>
                 <a:latin typeface="Georgia" panose="02040502050405020303" pitchFamily="18" charset="0"/>
               </a:rPr>
-              <a:t>1500</a:t>
+              <a:t>55</a:t>
             </a:r>
             <a:r>
               <a:rPr lang="ko-KR" altLang="en-US" sz="1600" dirty="0" smtClean="0">
@@ -7197,7 +7158,7 @@
                 </a:solidFill>
                 <a:latin typeface="Georgia" panose="02040502050405020303" pitchFamily="18" charset="0"/>
               </a:rPr>
-              <a:t>34</a:t>
+              <a:t>1.2</a:t>
             </a:r>
             <a:r>
               <a:rPr lang="ko-KR" altLang="en-US" sz="1600" b="1" dirty="0" smtClean="0">
@@ -7443,15 +7404,6 @@
               </a:rPr>
               <a:t>03</a:t>
             </a:r>
-            <a:endParaRPr lang="en-US" altLang="ko-KR" sz="1400" dirty="0" smtClean="0">
-              <a:solidFill>
-                <a:schemeClr val="bg1">
-                  <a:lumMod val="50000"/>
-                </a:schemeClr>
-              </a:solidFill>
-              <a:latin typeface="Arial Rounded MT Bold" panose="020F0704030504030204" pitchFamily="34" charset="0"/>
-              <a:ea typeface="HY견고딕" panose="02030600000101010101" pitchFamily="18" charset="-127"/>
-            </a:endParaRPr>
           </a:p>
           <a:p>
             <a:r>
@@ -8023,15 +7975,6 @@
               </a:rPr>
               <a:t>04</a:t>
             </a:r>
-            <a:endParaRPr lang="en-US" altLang="ko-KR" sz="1400" dirty="0" smtClean="0">
-              <a:solidFill>
-                <a:schemeClr val="bg1">
-                  <a:lumMod val="85000"/>
-                </a:schemeClr>
-              </a:solidFill>
-              <a:latin typeface="Arial Rounded MT Bold" panose="020F0704030504030204" pitchFamily="34" charset="0"/>
-              <a:ea typeface="HY견고딕" panose="02030600000101010101" pitchFamily="18" charset="-127"/>
-            </a:endParaRPr>
           </a:p>
           <a:p>
             <a:r>
